--- a/Utilities Water Billing.pptx
+++ b/Utilities Water Billing.pptx
@@ -3635,7 +3635,7 @@
             </a:pPr>
             <a:r>
               <a:rPr lang="en-GB" altLang="en-US" sz="2000"/>
-              <a:t>Below are some of the Management Information (MI) Reports I had generated for Water Billing Systems</a:t>
+              <a:t>Below are some of the Management Information (MI) Reports I had generated for Water Billing System using Tenfold Reporting.</a:t>
             </a:r>
             <a:endParaRPr lang="en-GB" altLang="en-US" sz="2000"/>
           </a:p>
